--- a/LC18/Corps purs et mélanges binaires.pptx
+++ b/LC18/Corps purs et mélanges binaires.pptx
@@ -215,7 +215,7 @@
           <a:p>
             <a:fld id="{87A93F02-9EC0-45FF-8720-A00CA3700D33}" type="datetimeFigureOut">
               <a:rPr lang="fr-FR" smtClean="0"/>
-              <a:t>06/05/2020</a:t>
+              <a:t>16/06/2020</a:t>
             </a:fld>
             <a:endParaRPr lang="fr-FR"/>
           </a:p>
@@ -708,7 +708,7 @@
           <a:p>
             <a:fld id="{5C961FDA-3969-490E-BF81-06295E935B8F}" type="datetime1">
               <a:rPr lang="fr-FR" smtClean="0"/>
-              <a:t>06/05/2020</a:t>
+              <a:t>16/06/2020</a:t>
             </a:fld>
             <a:endParaRPr lang="fr-FR"/>
           </a:p>
@@ -916,7 +916,7 @@
           <a:p>
             <a:fld id="{CE5EA156-582D-4958-8072-1685BCA8EEBC}" type="datetime1">
               <a:rPr lang="fr-FR" smtClean="0"/>
-              <a:t>06/05/2020</a:t>
+              <a:t>16/06/2020</a:t>
             </a:fld>
             <a:endParaRPr lang="fr-FR"/>
           </a:p>
@@ -1172,7 +1172,7 @@
           <a:p>
             <a:fld id="{0963A104-6E57-4772-BA75-83E5B127BC1F}" type="datetime1">
               <a:rPr lang="fr-FR" smtClean="0"/>
-              <a:t>06/05/2020</a:t>
+              <a:t>16/06/2020</a:t>
             </a:fld>
             <a:endParaRPr lang="fr-FR"/>
           </a:p>
@@ -1346,7 +1346,7 @@
           <a:p>
             <a:fld id="{AC2E0332-44F1-492E-A887-48A4E961A4EF}" type="datetime1">
               <a:rPr lang="fr-FR" smtClean="0"/>
-              <a:t>06/05/2020</a:t>
+              <a:t>16/06/2020</a:t>
             </a:fld>
             <a:endParaRPr lang="fr-FR"/>
           </a:p>
@@ -1689,7 +1689,7 @@
           <a:p>
             <a:fld id="{5422ED34-08D8-4B3E-ABA0-12CFDA389551}" type="datetime1">
               <a:rPr lang="fr-FR" smtClean="0"/>
-              <a:t>06/05/2020</a:t>
+              <a:t>16/06/2020</a:t>
             </a:fld>
             <a:endParaRPr lang="fr-FR"/>
           </a:p>
@@ -1964,7 +1964,7 @@
           <a:p>
             <a:fld id="{D14D5222-4535-4B81-836F-A461C7C0DF28}" type="datetime1">
               <a:rPr lang="fr-FR" smtClean="0"/>
-              <a:t>06/05/2020</a:t>
+              <a:t>16/06/2020</a:t>
             </a:fld>
             <a:endParaRPr lang="fr-FR"/>
           </a:p>
@@ -2343,7 +2343,7 @@
           <a:p>
             <a:fld id="{95149F90-1F65-4ED1-ABB4-432EFF96D60E}" type="datetime1">
               <a:rPr lang="fr-FR" smtClean="0"/>
-              <a:t>06/05/2020</a:t>
+              <a:t>16/06/2020</a:t>
             </a:fld>
             <a:endParaRPr lang="fr-FR"/>
           </a:p>
@@ -2461,7 +2461,7 @@
           <a:p>
             <a:fld id="{709E148A-83D8-4982-A416-989443033FB2}" type="datetime1">
               <a:rPr lang="fr-FR" smtClean="0"/>
-              <a:t>06/05/2020</a:t>
+              <a:t>16/06/2020</a:t>
             </a:fld>
             <a:endParaRPr lang="fr-FR"/>
           </a:p>
@@ -2632,7 +2632,7 @@
           <a:p>
             <a:fld id="{5870DCEC-2A12-45A2-8BED-BC5803AD66DC}" type="datetime1">
               <a:rPr lang="fr-FR" smtClean="0"/>
-              <a:t>06/05/2020</a:t>
+              <a:t>16/06/2020</a:t>
             </a:fld>
             <a:endParaRPr lang="fr-FR"/>
           </a:p>
@@ -2986,7 +2986,7 @@
           <a:p>
             <a:fld id="{814F31CA-F57B-40F5-9D8C-AB005ACC23B3}" type="datetime1">
               <a:rPr lang="fr-FR" smtClean="0"/>
-              <a:t>06/05/2020</a:t>
+              <a:t>16/06/2020</a:t>
             </a:fld>
             <a:endParaRPr lang="fr-FR"/>
           </a:p>
@@ -3368,7 +3368,7 @@
           <a:p>
             <a:fld id="{545846C0-E1BD-4C05-96EF-597158FBC288}" type="datetime1">
               <a:rPr lang="fr-FR" smtClean="0"/>
-              <a:t>06/05/2020</a:t>
+              <a:t>16/06/2020</a:t>
             </a:fld>
             <a:endParaRPr lang="fr-FR"/>
           </a:p>
@@ -3655,7 +3655,7 @@
           <a:p>
             <a:fld id="{B4C9061B-CFB6-4E4C-A4EC-F6CFC18B0AF3}" type="datetime1">
               <a:rPr lang="fr-FR" smtClean="0"/>
-              <a:t>06/05/2020</a:t>
+              <a:t>16/06/2020</a:t>
             </a:fld>
             <a:endParaRPr lang="fr-FR"/>
           </a:p>
@@ -4185,7 +4185,7 @@
           <p:cNvPr id="2" name="Titre 1">
             <a:extLst>
               <a:ext uri="{FF2B5EF4-FFF2-40B4-BE49-F238E27FC236}">
-                <a16:creationId xmlns:a16="http://schemas.microsoft.com/office/drawing/2014/main" xmlns="" id="{94CF25D0-1DF7-4352-BC93-49C8418F5E97}"/>
+                <a16:creationId xmlns="" xmlns:a16="http://schemas.microsoft.com/office/drawing/2014/main" id="{94CF25D0-1DF7-4352-BC93-49C8418F5E97}"/>
               </a:ext>
             </a:extLst>
           </p:cNvPr>
@@ -4220,7 +4220,7 @@
           <p:cNvPr id="3" name="Sous-titre 2">
             <a:extLst>
               <a:ext uri="{FF2B5EF4-FFF2-40B4-BE49-F238E27FC236}">
-                <a16:creationId xmlns:a16="http://schemas.microsoft.com/office/drawing/2014/main" xmlns="" id="{720C0F4B-E921-458D-822C-99A41A8C3D3D}"/>
+                <a16:creationId xmlns="" xmlns:a16="http://schemas.microsoft.com/office/drawing/2014/main" id="{720C0F4B-E921-458D-822C-99A41A8C3D3D}"/>
               </a:ext>
             </a:extLst>
           </p:cNvPr>
@@ -4238,14 +4238,13 @@
           <a:p>
             <a:r>
               <a:rPr lang="fr-FR" i="1" cap="none" spc="0" dirty="0"/>
-              <a:t>Agrégation 2020</a:t>
-            </a:r>
-          </a:p>
-          <a:p>
-            <a:r>
-              <a:rPr lang="fr-FR" cap="none" spc="0" dirty="0"/>
-              <a:t>Rémy BONNEMORT</a:t>
-            </a:r>
+              <a:t>Agrégation </a:t>
+            </a:r>
+            <a:r>
+              <a:rPr lang="fr-FR" i="1" cap="none" spc="0" dirty="0" smtClean="0"/>
+              <a:t>2020</a:t>
+            </a:r>
+            <a:endParaRPr lang="fr-FR" i="1" cap="none" spc="0" dirty="0"/>
           </a:p>
         </p:txBody>
       </p:sp>
@@ -4254,7 +4253,7 @@
           <p:cNvPr id="4" name="Espace réservé du numéro de diapositive 3">
             <a:extLst>
               <a:ext uri="{FF2B5EF4-FFF2-40B4-BE49-F238E27FC236}">
-                <a16:creationId xmlns:a16="http://schemas.microsoft.com/office/drawing/2014/main" xmlns="" id="{6389C604-85ED-4C1E-A449-7DB05F1675C4}"/>
+                <a16:creationId xmlns="" xmlns:a16="http://schemas.microsoft.com/office/drawing/2014/main" id="{6389C604-85ED-4C1E-A449-7DB05F1675C4}"/>
               </a:ext>
             </a:extLst>
           </p:cNvPr>
@@ -4313,7 +4312,7 @@
           <p:cNvPr id="2" name="Titre 1">
             <a:extLst>
               <a:ext uri="{FF2B5EF4-FFF2-40B4-BE49-F238E27FC236}">
-                <a16:creationId xmlns:a16="http://schemas.microsoft.com/office/drawing/2014/main" xmlns="" id="{9F006CF9-E64D-4B72-B672-0727BF30A4C2}"/>
+                <a16:creationId xmlns="" xmlns:a16="http://schemas.microsoft.com/office/drawing/2014/main" id="{9F006CF9-E64D-4B72-B672-0727BF30A4C2}"/>
               </a:ext>
             </a:extLst>
           </p:cNvPr>
@@ -4341,7 +4340,7 @@
           <p:cNvPr id="3" name="Espace réservé du numéro de diapositive 2">
             <a:extLst>
               <a:ext uri="{FF2B5EF4-FFF2-40B4-BE49-F238E27FC236}">
-                <a16:creationId xmlns:a16="http://schemas.microsoft.com/office/drawing/2014/main" xmlns="" id="{671EB59F-4C4B-4E37-9937-462B4C53FBB3}"/>
+                <a16:creationId xmlns="" xmlns:a16="http://schemas.microsoft.com/office/drawing/2014/main" id="{671EB59F-4C4B-4E37-9937-462B4C53FBB3}"/>
               </a:ext>
             </a:extLst>
           </p:cNvPr>
@@ -4370,7 +4369,7 @@
           <p:cNvPr id="5" name="Picture 4" descr="https://upload.wikimedia.org/wikipedia/commons/thumb/8/8e/Diag_eau.svg/800px-Diag_eau.svg.png">
             <a:extLst>
               <a:ext uri="{FF2B5EF4-FFF2-40B4-BE49-F238E27FC236}">
-                <a16:creationId xmlns:a16="http://schemas.microsoft.com/office/drawing/2014/main" xmlns="" id="{ACB59314-342E-4DD0-A854-379A5E316F68}"/>
+                <a16:creationId xmlns="" xmlns:a16="http://schemas.microsoft.com/office/drawing/2014/main" id="{ACB59314-342E-4DD0-A854-379A5E316F68}"/>
               </a:ext>
             </a:extLst>
           </p:cNvPr>
@@ -4416,7 +4415,7 @@
           <p:cNvPr id="6" name="Rectangle 5">
             <a:extLst>
               <a:ext uri="{FF2B5EF4-FFF2-40B4-BE49-F238E27FC236}">
-                <a16:creationId xmlns:a16="http://schemas.microsoft.com/office/drawing/2014/main" xmlns="" id="{1AAF11D4-B4E0-41B9-9FF0-C4F23B675083}"/>
+                <a16:creationId xmlns="" xmlns:a16="http://schemas.microsoft.com/office/drawing/2014/main" id="{1AAF11D4-B4E0-41B9-9FF0-C4F23B675083}"/>
               </a:ext>
             </a:extLst>
           </p:cNvPr>
@@ -4486,7 +4485,7 @@
           <p:cNvPr id="2" name="Titre 1">
             <a:extLst>
               <a:ext uri="{FF2B5EF4-FFF2-40B4-BE49-F238E27FC236}">
-                <a16:creationId xmlns:a16="http://schemas.microsoft.com/office/drawing/2014/main" xmlns="" id="{D0B5C905-AB1C-4F22-965A-2EF7E34D394A}"/>
+                <a16:creationId xmlns="" xmlns:a16="http://schemas.microsoft.com/office/drawing/2014/main" id="{D0B5C905-AB1C-4F22-965A-2EF7E34D394A}"/>
               </a:ext>
             </a:extLst>
           </p:cNvPr>
@@ -4514,7 +4513,7 @@
           <p:cNvPr id="3" name="Espace réservé du numéro de diapositive 2">
             <a:extLst>
               <a:ext uri="{FF2B5EF4-FFF2-40B4-BE49-F238E27FC236}">
-                <a16:creationId xmlns:a16="http://schemas.microsoft.com/office/drawing/2014/main" xmlns="" id="{B51AF34A-4F05-470A-AC18-6BFB345A37AA}"/>
+                <a16:creationId xmlns="" xmlns:a16="http://schemas.microsoft.com/office/drawing/2014/main" id="{B51AF34A-4F05-470A-AC18-6BFB345A37AA}"/>
               </a:ext>
             </a:extLst>
           </p:cNvPr>
@@ -4543,7 +4542,7 @@
           <p:cNvPr id="5" name="Image 4">
             <a:extLst>
               <a:ext uri="{FF2B5EF4-FFF2-40B4-BE49-F238E27FC236}">
-                <a16:creationId xmlns:a16="http://schemas.microsoft.com/office/drawing/2014/main" xmlns="" id="{67641884-50F4-4F25-AA07-DCD28373FE3F}"/>
+                <a16:creationId xmlns="" xmlns:a16="http://schemas.microsoft.com/office/drawing/2014/main" id="{67641884-50F4-4F25-AA07-DCD28373FE3F}"/>
               </a:ext>
             </a:extLst>
           </p:cNvPr>
@@ -4603,7 +4602,7 @@
           <p:cNvPr id="2" name="Titre 1">
             <a:extLst>
               <a:ext uri="{FF2B5EF4-FFF2-40B4-BE49-F238E27FC236}">
-                <a16:creationId xmlns:a16="http://schemas.microsoft.com/office/drawing/2014/main" xmlns="" id="{13756E28-584F-46E4-AA25-9E2B87788C55}"/>
+                <a16:creationId xmlns="" xmlns:a16="http://schemas.microsoft.com/office/drawing/2014/main" id="{13756E28-584F-46E4-AA25-9E2B87788C55}"/>
               </a:ext>
             </a:extLst>
           </p:cNvPr>
@@ -4638,7 +4637,7 @@
           <p:cNvPr id="3" name="Espace réservé du numéro de diapositive 2">
             <a:extLst>
               <a:ext uri="{FF2B5EF4-FFF2-40B4-BE49-F238E27FC236}">
-                <a16:creationId xmlns:a16="http://schemas.microsoft.com/office/drawing/2014/main" xmlns="" id="{AB4DA3DD-99B9-441D-A29A-0B9E3467C698}"/>
+                <a16:creationId xmlns="" xmlns:a16="http://schemas.microsoft.com/office/drawing/2014/main" id="{AB4DA3DD-99B9-441D-A29A-0B9E3467C698}"/>
               </a:ext>
             </a:extLst>
           </p:cNvPr>
@@ -4727,7 +4726,7 @@
           <p:cNvPr id="2" name="Titre 1">
             <a:extLst>
               <a:ext uri="{FF2B5EF4-FFF2-40B4-BE49-F238E27FC236}">
-                <a16:creationId xmlns:a16="http://schemas.microsoft.com/office/drawing/2014/main" xmlns="" id="{86EE22C7-10AE-4AA6-88E9-E7AA4F9D9F5F}"/>
+                <a16:creationId xmlns="" xmlns:a16="http://schemas.microsoft.com/office/drawing/2014/main" id="{86EE22C7-10AE-4AA6-88E9-E7AA4F9D9F5F}"/>
               </a:ext>
             </a:extLst>
           </p:cNvPr>
@@ -4762,7 +4761,7 @@
           <p:cNvPr id="3" name="Espace réservé du numéro de diapositive 2">
             <a:extLst>
               <a:ext uri="{FF2B5EF4-FFF2-40B4-BE49-F238E27FC236}">
-                <a16:creationId xmlns:a16="http://schemas.microsoft.com/office/drawing/2014/main" xmlns="" id="{1F9345AA-D18E-4C71-A8E2-BCD9DF30A5A6}"/>
+                <a16:creationId xmlns="" xmlns:a16="http://schemas.microsoft.com/office/drawing/2014/main" id="{1F9345AA-D18E-4C71-A8E2-BCD9DF30A5A6}"/>
               </a:ext>
             </a:extLst>
           </p:cNvPr>
@@ -4793,7 +4792,7 @@
               <p:cNvPr id="7" name="ZoneTexte 6">
                 <a:extLst>
                   <a:ext uri="{FF2B5EF4-FFF2-40B4-BE49-F238E27FC236}">
-                    <a16:creationId xmlns:a16="http://schemas.microsoft.com/office/drawing/2014/main" xmlns="" id="{CCD13A4E-6122-4D6E-BDA8-43A339B54112}"/>
+                    <a16:creationId xmlns="" xmlns:a16="http://schemas.microsoft.com/office/drawing/2014/main" id="{CCD13A4E-6122-4D6E-BDA8-43A339B54112}"/>
                   </a:ext>
                 </a:extLst>
               </p:cNvPr>
@@ -4899,7 +4898,7 @@
           <p:cNvPr id="1026" name="Picture 2" descr="Thermodynamique des mélanges/Diagrammes binaires — Wikiversité">
             <a:extLst>
               <a:ext uri="{FF2B5EF4-FFF2-40B4-BE49-F238E27FC236}">
-                <a16:creationId xmlns:a16="http://schemas.microsoft.com/office/drawing/2014/main" xmlns="" id="{7CEAE907-00C6-4994-A3E0-19B62693BB03}"/>
+                <a16:creationId xmlns="" xmlns:a16="http://schemas.microsoft.com/office/drawing/2014/main" id="{7CEAE907-00C6-4994-A3E0-19B62693BB03}"/>
               </a:ext>
             </a:extLst>
           </p:cNvPr>
@@ -4946,7 +4945,7 @@
           <p:cNvPr id="9" name="Rectangle 8">
             <a:extLst>
               <a:ext uri="{FF2B5EF4-FFF2-40B4-BE49-F238E27FC236}">
-                <a16:creationId xmlns:a16="http://schemas.microsoft.com/office/drawing/2014/main" xmlns="" id="{09300F2E-1EB7-45CF-8A61-1F361698BB36}"/>
+                <a16:creationId xmlns="" xmlns:a16="http://schemas.microsoft.com/office/drawing/2014/main" id="{09300F2E-1EB7-45CF-8A61-1F361698BB36}"/>
               </a:ext>
             </a:extLst>
           </p:cNvPr>
@@ -4983,7 +4982,7 @@
           <p:cNvPr id="11" name="Connecteur droit 10">
             <a:extLst>
               <a:ext uri="{FF2B5EF4-FFF2-40B4-BE49-F238E27FC236}">
-                <a16:creationId xmlns:a16="http://schemas.microsoft.com/office/drawing/2014/main" xmlns="" id="{8397E591-AB7A-4283-B86D-3748714E5688}"/>
+                <a16:creationId xmlns="" xmlns:a16="http://schemas.microsoft.com/office/drawing/2014/main" id="{8397E591-AB7A-4283-B86D-3748714E5688}"/>
               </a:ext>
             </a:extLst>
           </p:cNvPr>
@@ -5026,7 +5025,7 @@
           <p:cNvPr id="16" name="Connecteur droit 15">
             <a:extLst>
               <a:ext uri="{FF2B5EF4-FFF2-40B4-BE49-F238E27FC236}">
-                <a16:creationId xmlns:a16="http://schemas.microsoft.com/office/drawing/2014/main" xmlns="" id="{D352B668-E8EA-42E8-8FA2-EB16B0F16BAC}"/>
+                <a16:creationId xmlns="" xmlns:a16="http://schemas.microsoft.com/office/drawing/2014/main" id="{D352B668-E8EA-42E8-8FA2-EB16B0F16BAC}"/>
               </a:ext>
             </a:extLst>
           </p:cNvPr>
@@ -5097,7 +5096,7 @@
           <p:cNvPr id="2" name="Titre 1">
             <a:extLst>
               <a:ext uri="{FF2B5EF4-FFF2-40B4-BE49-F238E27FC236}">
-                <a16:creationId xmlns:a16="http://schemas.microsoft.com/office/drawing/2014/main" xmlns="" id="{D1044136-A0C9-48BA-B304-1DAFA461FA49}"/>
+                <a16:creationId xmlns="" xmlns:a16="http://schemas.microsoft.com/office/drawing/2014/main" id="{D1044136-A0C9-48BA-B304-1DAFA461FA49}"/>
               </a:ext>
             </a:extLst>
           </p:cNvPr>
@@ -5132,7 +5131,7 @@
           <p:cNvPr id="3" name="Espace réservé du numéro de diapositive 2">
             <a:extLst>
               <a:ext uri="{FF2B5EF4-FFF2-40B4-BE49-F238E27FC236}">
-                <a16:creationId xmlns:a16="http://schemas.microsoft.com/office/drawing/2014/main" xmlns="" id="{51E1CC5A-AD1A-4051-957C-200707303F1A}"/>
+                <a16:creationId xmlns="" xmlns:a16="http://schemas.microsoft.com/office/drawing/2014/main" id="{51E1CC5A-AD1A-4051-957C-200707303F1A}"/>
               </a:ext>
             </a:extLst>
           </p:cNvPr>
@@ -5161,7 +5160,7 @@
           <p:cNvPr id="4" name="Image 3">
             <a:extLst>
               <a:ext uri="{FF2B5EF4-FFF2-40B4-BE49-F238E27FC236}">
-                <a16:creationId xmlns:a16="http://schemas.microsoft.com/office/drawing/2014/main" xmlns="" id="{EFA45FB8-B50C-4F91-B8B2-40381D959541}"/>
+                <a16:creationId xmlns="" xmlns:a16="http://schemas.microsoft.com/office/drawing/2014/main" id="{EFA45FB8-B50C-4F91-B8B2-40381D959541}"/>
               </a:ext>
             </a:extLst>
           </p:cNvPr>
@@ -5221,7 +5220,7 @@
           <p:cNvPr id="2" name="Titre 1">
             <a:extLst>
               <a:ext uri="{FF2B5EF4-FFF2-40B4-BE49-F238E27FC236}">
-                <a16:creationId xmlns:a16="http://schemas.microsoft.com/office/drawing/2014/main" xmlns="" id="{8498D76A-7283-471C-AD05-132D343FF31E}"/>
+                <a16:creationId xmlns="" xmlns:a16="http://schemas.microsoft.com/office/drawing/2014/main" id="{8498D76A-7283-471C-AD05-132D343FF31E}"/>
               </a:ext>
             </a:extLst>
           </p:cNvPr>
@@ -5249,7 +5248,7 @@
           <p:cNvPr id="3" name="Espace réservé du numéro de diapositive 2">
             <a:extLst>
               <a:ext uri="{FF2B5EF4-FFF2-40B4-BE49-F238E27FC236}">
-                <a16:creationId xmlns:a16="http://schemas.microsoft.com/office/drawing/2014/main" xmlns="" id="{0620A654-5C75-4C65-AFA7-A7F3AA8A936A}"/>
+                <a16:creationId xmlns="" xmlns:a16="http://schemas.microsoft.com/office/drawing/2014/main" id="{0620A654-5C75-4C65-AFA7-A7F3AA8A936A}"/>
               </a:ext>
             </a:extLst>
           </p:cNvPr>
@@ -5278,7 +5277,7 @@
           <p:cNvPr id="4" name="Image 3">
             <a:extLst>
               <a:ext uri="{FF2B5EF4-FFF2-40B4-BE49-F238E27FC236}">
-                <a16:creationId xmlns:a16="http://schemas.microsoft.com/office/drawing/2014/main" xmlns="" id="{FA68C389-824E-401F-9AE8-C5E289BE17D5}"/>
+                <a16:creationId xmlns="" xmlns:a16="http://schemas.microsoft.com/office/drawing/2014/main" id="{FA68C389-824E-401F-9AE8-C5E289BE17D5}"/>
               </a:ext>
             </a:extLst>
           </p:cNvPr>
@@ -5308,7 +5307,7 @@
           <p:cNvPr id="5" name="Rectangle 4">
             <a:extLst>
               <a:ext uri="{FF2B5EF4-FFF2-40B4-BE49-F238E27FC236}">
-                <a16:creationId xmlns:a16="http://schemas.microsoft.com/office/drawing/2014/main" xmlns="" id="{8DAC031C-93A7-497D-AB19-E60BB2968D60}"/>
+                <a16:creationId xmlns="" xmlns:a16="http://schemas.microsoft.com/office/drawing/2014/main" id="{8DAC031C-93A7-497D-AB19-E60BB2968D60}"/>
               </a:ext>
             </a:extLst>
           </p:cNvPr>
@@ -5345,7 +5344,7 @@
           <p:cNvPr id="6" name="ZoneTexte 5">
             <a:extLst>
               <a:ext uri="{FF2B5EF4-FFF2-40B4-BE49-F238E27FC236}">
-                <a16:creationId xmlns:a16="http://schemas.microsoft.com/office/drawing/2014/main" xmlns="" id="{67E6BEA6-C2CC-4EEA-A49F-3315BF5F4D28}"/>
+                <a16:creationId xmlns="" xmlns:a16="http://schemas.microsoft.com/office/drawing/2014/main" id="{67E6BEA6-C2CC-4EEA-A49F-3315BF5F4D28}"/>
               </a:ext>
             </a:extLst>
           </p:cNvPr>
@@ -5410,7 +5409,7 @@
           <p:cNvPr id="2" name="Titre 1">
             <a:extLst>
               <a:ext uri="{FF2B5EF4-FFF2-40B4-BE49-F238E27FC236}">
-                <a16:creationId xmlns:a16="http://schemas.microsoft.com/office/drawing/2014/main" xmlns="" id="{BCE1A1D2-AF98-4C6D-9648-574716453EC7}"/>
+                <a16:creationId xmlns="" xmlns:a16="http://schemas.microsoft.com/office/drawing/2014/main" id="{BCE1A1D2-AF98-4C6D-9648-574716453EC7}"/>
               </a:ext>
             </a:extLst>
           </p:cNvPr>
@@ -5454,7 +5453,7 @@
           <p:cNvPr id="3" name="Espace réservé du numéro de diapositive 2">
             <a:extLst>
               <a:ext uri="{FF2B5EF4-FFF2-40B4-BE49-F238E27FC236}">
-                <a16:creationId xmlns:a16="http://schemas.microsoft.com/office/drawing/2014/main" xmlns="" id="{9675A0BC-7A8F-4E8F-8577-1A2D3AFD894E}"/>
+                <a16:creationId xmlns="" xmlns:a16="http://schemas.microsoft.com/office/drawing/2014/main" id="{9675A0BC-7A8F-4E8F-8577-1A2D3AFD894E}"/>
               </a:ext>
             </a:extLst>
           </p:cNvPr>
@@ -5483,7 +5482,7 @@
           <p:cNvPr id="4" name="Image 3">
             <a:extLst>
               <a:ext uri="{FF2B5EF4-FFF2-40B4-BE49-F238E27FC236}">
-                <a16:creationId xmlns:a16="http://schemas.microsoft.com/office/drawing/2014/main" xmlns="" id="{C747CABD-CB81-4CEA-A728-D88E175939B6}"/>
+                <a16:creationId xmlns="" xmlns:a16="http://schemas.microsoft.com/office/drawing/2014/main" id="{C747CABD-CB81-4CEA-A728-D88E175939B6}"/>
               </a:ext>
             </a:extLst>
           </p:cNvPr>
@@ -5513,7 +5512,7 @@
           <p:cNvPr id="5" name="Rectangle 4">
             <a:extLst>
               <a:ext uri="{FF2B5EF4-FFF2-40B4-BE49-F238E27FC236}">
-                <a16:creationId xmlns:a16="http://schemas.microsoft.com/office/drawing/2014/main" xmlns="" id="{02380BCF-2235-4C07-95A0-761BE0F13D3F}"/>
+                <a16:creationId xmlns="" xmlns:a16="http://schemas.microsoft.com/office/drawing/2014/main" id="{02380BCF-2235-4C07-95A0-761BE0F13D3F}"/>
               </a:ext>
             </a:extLst>
           </p:cNvPr>
@@ -5552,7 +5551,7 @@
           <p:cNvPr id="6" name="ZoneTexte 5">
             <a:extLst>
               <a:ext uri="{FF2B5EF4-FFF2-40B4-BE49-F238E27FC236}">
-                <a16:creationId xmlns:a16="http://schemas.microsoft.com/office/drawing/2014/main" xmlns="" id="{91A827AA-FC3F-4B0E-99B2-2F9E9AD1411E}"/>
+                <a16:creationId xmlns="" xmlns:a16="http://schemas.microsoft.com/office/drawing/2014/main" id="{91A827AA-FC3F-4B0E-99B2-2F9E9AD1411E}"/>
               </a:ext>
             </a:extLst>
           </p:cNvPr>
